--- a/최종산출물/(8) 6팀_프로젝트 최종결과보고서.pptx
+++ b/최종산출물/(8) 6팀_프로젝트 최종결과보고서.pptx
@@ -256,7 +256,7 @@
             <a:fld id="{32D775BE-C6BE-4693-89F2-2BB868ACE2B8}" type="datetimeFigureOut">
               <a:rPr lang="ko-KR" altLang="en-US" smtClean="0"/>
               <a:pPr/>
-              <a:t>2019-12-10</a:t>
+              <a:t>2019. 12. 19.</a:t>
             </a:fld>
             <a:endParaRPr lang="ko-KR" altLang="en-US"/>
           </a:p>
@@ -423,7 +423,7 @@
             <a:fld id="{F615432D-389C-4E33-B1B2-DB0A03BA77B4}" type="datetimeFigureOut">
               <a:rPr lang="ko-KR" altLang="en-US" smtClean="0"/>
               <a:pPr/>
-              <a:t>2019-12-10</a:t>
+              <a:t>2019. 12. 19.</a:t>
             </a:fld>
             <a:endParaRPr lang="ko-KR" altLang="en-US"/>
           </a:p>
@@ -825,7 +825,7 @@
           <a:lstStyle/>
           <a:p>
             <a:r>
-              <a:rPr lang="en-US" altLang="ko-KR" dirty="0" smtClean="0"/>
+              <a:rPr lang="en-US" altLang="ko-KR" dirty="0"/>
               <a:t>OK</a:t>
             </a:r>
             <a:endParaRPr lang="ko-KR" altLang="en-US" dirty="0"/>
@@ -931,7 +931,7 @@
               <a:defRPr/>
             </a:pPr>
             <a:r>
-              <a:rPr lang="en-US" altLang="ko-KR" dirty="0" smtClean="0"/>
+              <a:rPr lang="en-US" altLang="ko-KR" dirty="0"/>
               <a:t>OK</a:t>
             </a:r>
             <a:endParaRPr lang="ko-KR" altLang="en-US" dirty="0"/>
@@ -1037,10 +1037,10 @@
               <a:defRPr/>
             </a:pPr>
             <a:r>
-              <a:rPr lang="en-US" altLang="ko-KR" dirty="0" smtClean="0"/>
+              <a:rPr lang="en-US" altLang="ko-KR" dirty="0"/>
               <a:t>OK</a:t>
             </a:r>
-            <a:endParaRPr lang="ko-KR" altLang="en-US" dirty="0" smtClean="0"/>
+            <a:endParaRPr lang="ko-KR" altLang="en-US" dirty="0"/>
           </a:p>
         </p:txBody>
       </p:sp>
@@ -1143,10 +1143,10 @@
               <a:defRPr/>
             </a:pPr>
             <a:r>
-              <a:rPr lang="en-US" altLang="ko-KR" dirty="0" smtClean="0"/>
+              <a:rPr lang="en-US" altLang="ko-KR" dirty="0"/>
               <a:t>OK</a:t>
             </a:r>
-            <a:endParaRPr lang="ko-KR" altLang="en-US" dirty="0" smtClean="0"/>
+            <a:endParaRPr lang="ko-KR" altLang="en-US" dirty="0"/>
           </a:p>
         </p:txBody>
       </p:sp>
@@ -1232,7 +1232,7 @@
           <a:lstStyle/>
           <a:p>
             <a:r>
-              <a:rPr lang="en-US" altLang="ko-KR" dirty="0" smtClean="0"/>
+              <a:rPr lang="en-US" altLang="ko-KR" dirty="0"/>
               <a:t>OK</a:t>
             </a:r>
             <a:endParaRPr lang="ko-KR" altLang="en-US" dirty="0"/>
@@ -1321,7 +1321,7 @@
           <a:lstStyle/>
           <a:p>
             <a:r>
-              <a:rPr lang="en-US" altLang="ko-KR" dirty="0" smtClean="0"/>
+              <a:rPr lang="en-US" altLang="ko-KR" dirty="0"/>
               <a:t>OK</a:t>
             </a:r>
             <a:endParaRPr lang="ko-KR" altLang="en-US" dirty="0"/>
@@ -1410,7 +1410,7 @@
           <a:lstStyle/>
           <a:p>
             <a:r>
-              <a:rPr lang="en-US" altLang="ko-KR" dirty="0" smtClean="0"/>
+              <a:rPr lang="en-US" altLang="ko-KR" dirty="0"/>
               <a:t>OK</a:t>
             </a:r>
             <a:endParaRPr lang="ko-KR" altLang="en-US" dirty="0"/>
@@ -1499,7 +1499,7 @@
           <a:lstStyle/>
           <a:p>
             <a:r>
-              <a:rPr lang="en-US" altLang="ko-KR" dirty="0" smtClean="0"/>
+              <a:rPr lang="en-US" altLang="ko-KR" dirty="0"/>
               <a:t>OK</a:t>
             </a:r>
             <a:endParaRPr lang="ko-KR" altLang="en-US" dirty="0"/>
@@ -1588,7 +1588,7 @@
           <a:lstStyle/>
           <a:p>
             <a:r>
-              <a:rPr lang="en-US" altLang="ko-KR" dirty="0" smtClean="0"/>
+              <a:rPr lang="en-US" altLang="ko-KR" dirty="0"/>
               <a:t>OK</a:t>
             </a:r>
           </a:p>
@@ -1679,7 +1679,7 @@
           <a:lstStyle/>
           <a:p>
             <a:r>
-              <a:rPr lang="en-US" altLang="ko-KR" dirty="0" smtClean="0"/>
+              <a:rPr lang="en-US" altLang="ko-KR" dirty="0"/>
               <a:t>OK</a:t>
             </a:r>
             <a:endParaRPr lang="ko-KR" altLang="en-US" dirty="0"/>
@@ -1785,10 +1785,10 @@
               <a:defRPr/>
             </a:pPr>
             <a:r>
-              <a:rPr lang="en-US" altLang="ko-KR" dirty="0" smtClean="0"/>
+              <a:rPr lang="en-US" altLang="ko-KR" dirty="0"/>
               <a:t>OK</a:t>
             </a:r>
-            <a:endParaRPr lang="ko-KR" altLang="en-US" dirty="0" smtClean="0"/>
+            <a:endParaRPr lang="ko-KR" altLang="en-US" dirty="0"/>
           </a:p>
           <a:p>
             <a:endParaRPr lang="ko-KR" altLang="en-US" dirty="0"/>
@@ -1877,7 +1877,7 @@
           <a:lstStyle/>
           <a:p>
             <a:r>
-              <a:rPr lang="en-US" altLang="ko-KR" dirty="0" smtClean="0"/>
+              <a:rPr lang="en-US" altLang="ko-KR" dirty="0"/>
               <a:t>OK</a:t>
             </a:r>
             <a:endParaRPr lang="ko-KR" altLang="en-US" dirty="0"/>
@@ -1969,61 +1969,61 @@
               <a:buAutoNum type="arabicParenR"/>
             </a:pPr>
             <a:r>
-              <a:rPr lang="ko-KR" altLang="en-US" baseline="0" dirty="0" smtClean="0"/>
+              <a:rPr lang="ko-KR" altLang="en-US" baseline="0" dirty="0"/>
               <a:t>특정 국가 선호하는 유저</a:t>
             </a:r>
-            <a:endParaRPr lang="en-US" altLang="ko-KR" baseline="0" dirty="0" smtClean="0"/>
+            <a:endParaRPr lang="en-US" altLang="ko-KR" baseline="0" dirty="0"/>
           </a:p>
           <a:p>
             <a:pPr marL="228600" indent="-228600">
               <a:buAutoNum type="arabicParenR"/>
             </a:pPr>
             <a:r>
-              <a:rPr lang="ko-KR" altLang="en-US" dirty="0" smtClean="0"/>
+              <a:rPr lang="ko-KR" altLang="en-US" dirty="0"/>
               <a:t>특정 식재료 선호하는 유저</a:t>
             </a:r>
-            <a:endParaRPr lang="en-US" altLang="ko-KR" dirty="0" smtClean="0"/>
+            <a:endParaRPr lang="en-US" altLang="ko-KR" dirty="0"/>
           </a:p>
           <a:p>
             <a:pPr marL="228600" indent="-228600">
               <a:buAutoNum type="arabicParenR"/>
             </a:pPr>
             <a:r>
-              <a:rPr lang="ko-KR" altLang="en-US" dirty="0" smtClean="0"/>
+              <a:rPr lang="ko-KR" altLang="en-US" dirty="0"/>
               <a:t>기호 없는 유저</a:t>
             </a:r>
-            <a:endParaRPr lang="en-US" altLang="ko-KR" dirty="0" smtClean="0"/>
+            <a:endParaRPr lang="en-US" altLang="ko-KR" dirty="0"/>
           </a:p>
           <a:p>
             <a:pPr marL="228600" indent="-228600">
               <a:buAutoNum type="arabicParenR"/>
             </a:pPr>
             <a:r>
-              <a:rPr lang="ko-KR" altLang="en-US" dirty="0" smtClean="0"/>
+              <a:rPr lang="ko-KR" altLang="en-US" dirty="0"/>
               <a:t>다른 냉장고를 가지고 있는 유저</a:t>
             </a:r>
             <a:r>
-              <a:rPr lang="ko-KR" altLang="en-US" baseline="0" dirty="0" smtClean="0"/>
+              <a:rPr lang="ko-KR" altLang="en-US" baseline="0" dirty="0"/>
               <a:t> </a:t>
             </a:r>
             <a:r>
-              <a:rPr lang="en-US" altLang="ko-KR" baseline="0" dirty="0" smtClean="0"/>
+              <a:rPr lang="en-US" altLang="ko-KR" baseline="0" dirty="0"/>
               <a:t>(</a:t>
             </a:r>
             <a:r>
-              <a:rPr lang="ko-KR" altLang="en-US" baseline="0" dirty="0" smtClean="0"/>
+              <a:rPr lang="ko-KR" altLang="en-US" baseline="0" dirty="0"/>
               <a:t>그 외 </a:t>
             </a:r>
             <a:r>
-              <a:rPr lang="en-US" altLang="ko-KR" baseline="0" dirty="0" smtClean="0"/>
+              <a:rPr lang="en-US" altLang="ko-KR" baseline="0" dirty="0"/>
               <a:t>3</a:t>
             </a:r>
             <a:r>
-              <a:rPr lang="ko-KR" altLang="en-US" baseline="0" dirty="0" smtClean="0"/>
+              <a:rPr lang="ko-KR" altLang="en-US" baseline="0" dirty="0"/>
               <a:t>번과 같음</a:t>
             </a:r>
             <a:r>
-              <a:rPr lang="en-US" altLang="ko-KR" baseline="0" dirty="0" smtClean="0"/>
+              <a:rPr lang="en-US" altLang="ko-KR" baseline="0" dirty="0"/>
               <a:t>)</a:t>
             </a:r>
           </a:p>
@@ -2032,30 +2032,30 @@
               <a:buNone/>
             </a:pPr>
             <a:r>
-              <a:rPr lang="en-US" altLang="ko-KR" baseline="0" dirty="0" smtClean="0">
+              <a:rPr lang="en-US" altLang="ko-KR" baseline="0" dirty="0">
                 <a:sym typeface="Wingdings" panose="05000000000000000000" pitchFamily="2" charset="2"/>
               </a:rPr>
               <a:t> </a:t>
             </a:r>
             <a:r>
-              <a:rPr lang="ko-KR" altLang="en-US" baseline="0" dirty="0" smtClean="0">
+              <a:rPr lang="ko-KR" altLang="en-US" baseline="0" dirty="0">
                 <a:sym typeface="Wingdings" panose="05000000000000000000" pitchFamily="2" charset="2"/>
               </a:rPr>
               <a:t>모두 추천된 </a:t>
             </a:r>
             <a:r>
-              <a:rPr lang="ko-KR" altLang="en-US" baseline="0" dirty="0" err="1" smtClean="0">
+              <a:rPr lang="ko-KR" altLang="en-US" baseline="0" dirty="0" err="1">
                 <a:sym typeface="Wingdings" panose="05000000000000000000" pitchFamily="2" charset="2"/>
               </a:rPr>
               <a:t>식단값</a:t>
             </a:r>
             <a:r>
-              <a:rPr lang="ko-KR" altLang="en-US" baseline="0" dirty="0" smtClean="0">
+              <a:rPr lang="ko-KR" altLang="en-US" baseline="0" dirty="0">
                 <a:sym typeface="Wingdings" panose="05000000000000000000" pitchFamily="2" charset="2"/>
               </a:rPr>
               <a:t> 다름을 보여주자</a:t>
             </a:r>
-            <a:endParaRPr lang="en-US" altLang="ko-KR" baseline="0" dirty="0" smtClean="0"/>
+            <a:endParaRPr lang="en-US" altLang="ko-KR" baseline="0" dirty="0"/>
           </a:p>
         </p:txBody>
       </p:sp>
@@ -2144,61 +2144,61 @@
               <a:buAutoNum type="arabicParenR"/>
             </a:pPr>
             <a:r>
-              <a:rPr lang="ko-KR" altLang="en-US" baseline="0" dirty="0" smtClean="0"/>
+              <a:rPr lang="ko-KR" altLang="en-US" baseline="0" dirty="0"/>
               <a:t>특정 국가 선호하는 유저</a:t>
             </a:r>
-            <a:endParaRPr lang="en-US" altLang="ko-KR" baseline="0" dirty="0" smtClean="0"/>
+            <a:endParaRPr lang="en-US" altLang="ko-KR" baseline="0" dirty="0"/>
           </a:p>
           <a:p>
             <a:pPr marL="228600" indent="-228600">
               <a:buAutoNum type="arabicParenR"/>
             </a:pPr>
             <a:r>
-              <a:rPr lang="ko-KR" altLang="en-US" dirty="0" smtClean="0"/>
+              <a:rPr lang="ko-KR" altLang="en-US" dirty="0"/>
               <a:t>특정 식재료 선호하는 유저</a:t>
             </a:r>
-            <a:endParaRPr lang="en-US" altLang="ko-KR" dirty="0" smtClean="0"/>
+            <a:endParaRPr lang="en-US" altLang="ko-KR" dirty="0"/>
           </a:p>
           <a:p>
             <a:pPr marL="228600" indent="-228600">
               <a:buAutoNum type="arabicParenR"/>
             </a:pPr>
             <a:r>
-              <a:rPr lang="ko-KR" altLang="en-US" dirty="0" smtClean="0"/>
+              <a:rPr lang="ko-KR" altLang="en-US" dirty="0"/>
               <a:t>기호 없는 유저</a:t>
             </a:r>
-            <a:endParaRPr lang="en-US" altLang="ko-KR" dirty="0" smtClean="0"/>
+            <a:endParaRPr lang="en-US" altLang="ko-KR" dirty="0"/>
           </a:p>
           <a:p>
             <a:pPr marL="228600" indent="-228600">
               <a:buAutoNum type="arabicParenR"/>
             </a:pPr>
             <a:r>
-              <a:rPr lang="ko-KR" altLang="en-US" dirty="0" smtClean="0"/>
+              <a:rPr lang="ko-KR" altLang="en-US" dirty="0"/>
               <a:t>다른 냉장고를 가지고 있는 유저</a:t>
             </a:r>
             <a:r>
-              <a:rPr lang="ko-KR" altLang="en-US" baseline="0" dirty="0" smtClean="0"/>
+              <a:rPr lang="ko-KR" altLang="en-US" baseline="0" dirty="0"/>
               <a:t> </a:t>
             </a:r>
             <a:r>
-              <a:rPr lang="en-US" altLang="ko-KR" baseline="0" dirty="0" smtClean="0"/>
+              <a:rPr lang="en-US" altLang="ko-KR" baseline="0" dirty="0"/>
               <a:t>(</a:t>
             </a:r>
             <a:r>
-              <a:rPr lang="ko-KR" altLang="en-US" baseline="0" dirty="0" smtClean="0"/>
+              <a:rPr lang="ko-KR" altLang="en-US" baseline="0" dirty="0"/>
               <a:t>그 외 </a:t>
             </a:r>
             <a:r>
-              <a:rPr lang="en-US" altLang="ko-KR" baseline="0" dirty="0" smtClean="0"/>
+              <a:rPr lang="en-US" altLang="ko-KR" baseline="0" dirty="0"/>
               <a:t>3</a:t>
             </a:r>
             <a:r>
-              <a:rPr lang="ko-KR" altLang="en-US" baseline="0" dirty="0" smtClean="0"/>
+              <a:rPr lang="ko-KR" altLang="en-US" baseline="0" dirty="0"/>
               <a:t>번과 같음</a:t>
             </a:r>
             <a:r>
-              <a:rPr lang="en-US" altLang="ko-KR" baseline="0" dirty="0" smtClean="0"/>
+              <a:rPr lang="en-US" altLang="ko-KR" baseline="0" dirty="0"/>
               <a:t>)</a:t>
             </a:r>
           </a:p>
@@ -2207,30 +2207,30 @@
               <a:buNone/>
             </a:pPr>
             <a:r>
-              <a:rPr lang="en-US" altLang="ko-KR" baseline="0" dirty="0" smtClean="0">
+              <a:rPr lang="en-US" altLang="ko-KR" baseline="0" dirty="0">
                 <a:sym typeface="Wingdings" panose="05000000000000000000" pitchFamily="2" charset="2"/>
               </a:rPr>
               <a:t> </a:t>
             </a:r>
             <a:r>
-              <a:rPr lang="ko-KR" altLang="en-US" baseline="0" dirty="0" smtClean="0">
+              <a:rPr lang="ko-KR" altLang="en-US" baseline="0" dirty="0">
                 <a:sym typeface="Wingdings" panose="05000000000000000000" pitchFamily="2" charset="2"/>
               </a:rPr>
               <a:t>모두 추천된 </a:t>
             </a:r>
             <a:r>
-              <a:rPr lang="ko-KR" altLang="en-US" baseline="0" dirty="0" err="1" smtClean="0">
+              <a:rPr lang="ko-KR" altLang="en-US" baseline="0" dirty="0" err="1">
                 <a:sym typeface="Wingdings" panose="05000000000000000000" pitchFamily="2" charset="2"/>
               </a:rPr>
               <a:t>식단값</a:t>
             </a:r>
             <a:r>
-              <a:rPr lang="ko-KR" altLang="en-US" baseline="0" dirty="0" smtClean="0">
+              <a:rPr lang="ko-KR" altLang="en-US" baseline="0" dirty="0">
                 <a:sym typeface="Wingdings" panose="05000000000000000000" pitchFamily="2" charset="2"/>
               </a:rPr>
               <a:t> 다름을 보여주자</a:t>
             </a:r>
-            <a:endParaRPr lang="en-US" altLang="ko-KR" baseline="0" dirty="0" smtClean="0"/>
+            <a:endParaRPr lang="en-US" altLang="ko-KR" baseline="0" dirty="0"/>
           </a:p>
         </p:txBody>
       </p:sp>
@@ -2333,10 +2333,10 @@
               <a:defRPr/>
             </a:pPr>
             <a:r>
-              <a:rPr lang="en-US" altLang="ko-KR" dirty="0" smtClean="0"/>
+              <a:rPr lang="en-US" altLang="ko-KR" dirty="0"/>
               <a:t>OK</a:t>
             </a:r>
-            <a:endParaRPr lang="ko-KR" altLang="en-US" dirty="0" smtClean="0"/>
+            <a:endParaRPr lang="ko-KR" altLang="en-US" dirty="0"/>
           </a:p>
           <a:p>
             <a:endParaRPr lang="ko-KR" altLang="en-US" dirty="0"/>
@@ -2442,10 +2442,10 @@
               <a:defRPr/>
             </a:pPr>
             <a:r>
-              <a:rPr lang="en-US" altLang="ko-KR" dirty="0" smtClean="0"/>
+              <a:rPr lang="en-US" altLang="ko-KR" dirty="0"/>
               <a:t>OK</a:t>
             </a:r>
-            <a:endParaRPr lang="ko-KR" altLang="en-US" dirty="0" smtClean="0"/>
+            <a:endParaRPr lang="ko-KR" altLang="en-US" dirty="0"/>
           </a:p>
           <a:p>
             <a:endParaRPr lang="ko-KR" altLang="en-US" dirty="0"/>
@@ -2551,10 +2551,10 @@
               <a:defRPr/>
             </a:pPr>
             <a:r>
-              <a:rPr lang="en-US" altLang="ko-KR" dirty="0" smtClean="0"/>
+              <a:rPr lang="en-US" altLang="ko-KR" dirty="0"/>
               <a:t>OK</a:t>
             </a:r>
-            <a:endParaRPr lang="ko-KR" altLang="en-US" dirty="0" smtClean="0"/>
+            <a:endParaRPr lang="ko-KR" altLang="en-US" dirty="0"/>
           </a:p>
           <a:p>
             <a:endParaRPr lang="ko-KR" altLang="en-US" dirty="0"/>
@@ -2643,7 +2643,7 @@
           <a:lstStyle/>
           <a:p>
             <a:r>
-              <a:rPr lang="en-US" altLang="ko-KR" dirty="0" smtClean="0"/>
+              <a:rPr lang="en-US" altLang="ko-KR" dirty="0"/>
               <a:t>OK</a:t>
             </a:r>
             <a:endParaRPr lang="ko-KR" altLang="en-US" dirty="0"/>
@@ -2749,10 +2749,10 @@
               <a:defRPr/>
             </a:pPr>
             <a:r>
-              <a:rPr lang="en-US" altLang="ko-KR" dirty="0" smtClean="0"/>
+              <a:rPr lang="en-US" altLang="ko-KR" dirty="0"/>
               <a:t>OK</a:t>
             </a:r>
-            <a:endParaRPr lang="ko-KR" altLang="en-US" dirty="0" smtClean="0"/>
+            <a:endParaRPr lang="ko-KR" altLang="en-US" dirty="0"/>
           </a:p>
           <a:p>
             <a:endParaRPr lang="ko-KR" altLang="en-US" dirty="0"/>
@@ -2858,10 +2858,10 @@
               <a:defRPr/>
             </a:pPr>
             <a:r>
-              <a:rPr lang="en-US" altLang="ko-KR" dirty="0" smtClean="0"/>
+              <a:rPr lang="en-US" altLang="ko-KR" dirty="0"/>
               <a:t>OK</a:t>
             </a:r>
-            <a:endParaRPr lang="ko-KR" altLang="en-US" dirty="0" smtClean="0"/>
+            <a:endParaRPr lang="ko-KR" altLang="en-US" dirty="0"/>
           </a:p>
           <a:p>
             <a:endParaRPr lang="ko-KR" altLang="en-US" dirty="0"/>
@@ -2967,7 +2967,7 @@
               <a:defRPr/>
             </a:pPr>
             <a:r>
-              <a:rPr lang="en-US" altLang="ko-KR" dirty="0" smtClean="0"/>
+              <a:rPr lang="en-US" altLang="ko-KR" dirty="0"/>
               <a:t>OK</a:t>
             </a:r>
           </a:p>
@@ -3189,7 +3189,7 @@
           <a:p>
             <a:fld id="{123C62B4-2363-411B-8882-9B88D4D6E715}" type="datetime1">
               <a:rPr lang="ko-KR" altLang="en-US" smtClean="0"/>
-              <a:t>2019-12-10</a:t>
+              <a:t>2019. 12. 19.</a:t>
             </a:fld>
             <a:endParaRPr lang="ko-KR" altLang="en-US"/>
           </a:p>
@@ -3460,7 +3460,7 @@
           <a:p>
             <a:fld id="{47524B00-40C7-47A1-9AA9-922EA4BE7413}" type="datetime1">
               <a:rPr lang="ko-KR" altLang="en-US" smtClean="0"/>
-              <a:t>2019-12-10</a:t>
+              <a:t>2019. 12. 19.</a:t>
             </a:fld>
             <a:endParaRPr lang="ko-KR" altLang="en-US"/>
           </a:p>
@@ -3708,7 +3708,7 @@
           <a:p>
             <a:fld id="{3130B0EC-9CCB-4537-A0CD-3AA8F465CF47}" type="datetime1">
               <a:rPr lang="ko-KR" altLang="en-US" smtClean="0"/>
-              <a:t>2019-12-10</a:t>
+              <a:t>2019. 12. 19.</a:t>
             </a:fld>
             <a:endParaRPr lang="ko-KR" altLang="en-US"/>
           </a:p>
@@ -3872,7 +3872,7 @@
           <a:p>
             <a:fld id="{B317F875-D1E3-4171-8580-1AC26116667B}" type="datetime1">
               <a:rPr lang="ko-KR" altLang="en-US" smtClean="0"/>
-              <a:t>2019-12-10</a:t>
+              <a:t>2019. 12. 19.</a:t>
             </a:fld>
             <a:endParaRPr lang="ko-KR" altLang="en-US"/>
           </a:p>
@@ -4046,7 +4046,7 @@
           <a:p>
             <a:fld id="{51EE2959-63A9-4963-B2F1-8B4A0DB330AF}" type="datetime1">
               <a:rPr lang="ko-KR" altLang="en-US" smtClean="0"/>
-              <a:t>2019-12-10</a:t>
+              <a:t>2019. 12. 19.</a:t>
             </a:fld>
             <a:endParaRPr lang="ko-KR" altLang="en-US"/>
           </a:p>
@@ -4212,7 +4212,7 @@
           <a:p>
             <a:fld id="{EC283561-DDB3-4D4D-A2B0-1ED097361519}" type="datetime1">
               <a:rPr lang="ko-KR" altLang="en-US" smtClean="0"/>
-              <a:t>2019-12-10</a:t>
+              <a:t>2019. 12. 19.</a:t>
             </a:fld>
             <a:endParaRPr lang="ko-KR" altLang="en-US"/>
           </a:p>
@@ -4325,7 +4325,7 @@
           <a:p>
             <a:fld id="{A484EB57-AE51-4933-9B15-8F72F41E9CCF}" type="datetime1">
               <a:rPr lang="ko-KR" altLang="en-US" smtClean="0"/>
-              <a:t>2019-12-10</a:t>
+              <a:t>2019. 12. 19.</a:t>
             </a:fld>
             <a:endParaRPr lang="ko-KR" altLang="en-US"/>
           </a:p>
@@ -4438,7 +4438,7 @@
           <a:p>
             <a:fld id="{0B4437A2-2483-4C98-BE23-08E8D393CE35}" type="datetime1">
               <a:rPr lang="ko-KR" altLang="en-US" smtClean="0"/>
-              <a:t>2019-12-10</a:t>
+              <a:t>2019. 12. 19.</a:t>
             </a:fld>
             <a:endParaRPr lang="ko-KR" altLang="en-US"/>
           </a:p>
@@ -4679,7 +4679,7 @@
           <a:p>
             <a:fld id="{CC83C9AB-4356-4B75-837B-F11320A131CF}" type="datetime1">
               <a:rPr lang="ko-KR" altLang="en-US" smtClean="0"/>
-              <a:t>2019-12-10</a:t>
+              <a:t>2019. 12. 19.</a:t>
             </a:fld>
             <a:endParaRPr lang="ko-KR" altLang="en-US"/>
           </a:p>
@@ -4960,7 +4960,7 @@
           <a:p>
             <a:fld id="{98EBA0C1-A54B-40B4-80A8-BAB81DECDF2E}" type="datetime1">
               <a:rPr lang="ko-KR" altLang="en-US" smtClean="0"/>
-              <a:t>2019-12-10</a:t>
+              <a:t>2019. 12. 19.</a:t>
             </a:fld>
             <a:endParaRPr lang="ko-KR" altLang="en-US"/>
           </a:p>
@@ -5375,7 +5375,7 @@
           <a:p>
             <a:fld id="{4CFFADEB-2866-45E6-AE0C-F5804B119E4D}" type="datetime1">
               <a:rPr lang="ko-KR" altLang="en-US" smtClean="0"/>
-              <a:t>2019-12-10</a:t>
+              <a:t>2019. 12. 19.</a:t>
             </a:fld>
             <a:endParaRPr lang="ko-KR" altLang="en-US"/>
           </a:p>
@@ -5488,7 +5488,7 @@
           <a:p>
             <a:fld id="{2CB6887B-7C0A-4BB2-A422-DD09456A17E9}" type="datetime1">
               <a:rPr lang="ko-KR" altLang="en-US" smtClean="0"/>
-              <a:t>2019-12-10</a:t>
+              <a:t>2019. 12. 19.</a:t>
             </a:fld>
             <a:endParaRPr lang="ko-KR" altLang="en-US"/>
           </a:p>
@@ -5579,7 +5579,7 @@
           <a:p>
             <a:fld id="{2417355B-E82F-4F42-BFC2-7004DCA2FF95}" type="datetime1">
               <a:rPr lang="ko-KR" altLang="en-US" smtClean="0"/>
-              <a:t>2019-12-10</a:t>
+              <a:t>2019. 12. 19.</a:t>
             </a:fld>
             <a:endParaRPr lang="ko-KR" altLang="en-US"/>
           </a:p>
@@ -5772,7 +5772,7 @@
           <a:p>
             <a:fld id="{39AE30F9-060A-4327-BFA8-BCD2DB671DCC}" type="datetime1">
               <a:rPr lang="ko-KR" altLang="en-US" smtClean="0"/>
-              <a:t>2019-12-10</a:t>
+              <a:t>2019. 12. 19.</a:t>
             </a:fld>
             <a:endParaRPr lang="ko-KR" altLang="en-US"/>
           </a:p>
@@ -6421,26 +6421,22 @@
           <a:lstStyle/>
           <a:p>
             <a:r>
-              <a:rPr lang="ko-KR" altLang="en-US" dirty="0" err="1" smtClean="0"/>
+              <a:rPr lang="ko-KR" altLang="en-US" dirty="0" err="1"/>
               <a:t>밥알짜</a:t>
-            </a:r>
-            <a:r>
-              <a:rPr lang="en-US" altLang="ko-KR" dirty="0"/>
-              <a:t/>
             </a:r>
             <a:br>
               <a:rPr lang="en-US" altLang="ko-KR" dirty="0"/>
             </a:br>
             <a:r>
-              <a:rPr lang="en-US" altLang="ko-KR" sz="2400" dirty="0" smtClean="0"/>
+              <a:rPr lang="en-US" altLang="ko-KR" sz="2400" dirty="0"/>
               <a:t>(TEAM</a:t>
             </a:r>
             <a:r>
-              <a:rPr lang="ko-KR" altLang="en-US" sz="2400" dirty="0" smtClean="0"/>
+              <a:rPr lang="ko-KR" altLang="en-US" sz="2400" dirty="0"/>
               <a:t> </a:t>
             </a:r>
             <a:r>
-              <a:rPr lang="en-US" altLang="ko-KR" sz="2400" dirty="0" smtClean="0"/>
+              <a:rPr lang="en-US" altLang="ko-KR" sz="2400" dirty="0"/>
               <a:t>BABALZZA)</a:t>
             </a:r>
             <a:endParaRPr lang="ko-KR" altLang="en-US" sz="2400" dirty="0"/>
@@ -6476,13 +6472,6 @@
   <p:clrMapOvr>
     <a:masterClrMapping/>
   </p:clrMapOvr>
-  <p:timing>
-    <p:tnLst>
-      <p:par>
-        <p:cTn id="1" dur="indefinite" restart="never" nodeType="tmRoot"/>
-      </p:par>
-    </p:tnLst>
-  </p:timing>
 </p:sld>
 </file>
 
@@ -6655,13 +6644,6 @@
   <p:clrMapOvr>
     <a:masterClrMapping/>
   </p:clrMapOvr>
-  <p:timing>
-    <p:tnLst>
-      <p:par>
-        <p:cTn id="1" dur="indefinite" restart="never" nodeType="tmRoot"/>
-      </p:par>
-    </p:tnLst>
-  </p:timing>
 </p:sld>
 </file>
 
@@ -6704,32 +6686,28 @@
                 <a:solidFill>
                   <a:srgbClr val="00B0F0"/>
                 </a:solidFill>
-                <a:hlinkClick r:id="rId3" action="ppaction://hlinkpres?slideindex=1&amp;slidetitle="/>
+                <a:hlinkClick r:id="rId3"/>
               </a:rPr>
               <a:t>Use Case Specification </a:t>
             </a:r>
             <a:r>
               <a:rPr lang="en-US" altLang="ko-KR" sz="2800" dirty="0"/>
-              <a:t>– </a:t>
-            </a:r>
-            <a:r>
-              <a:rPr lang="en-US" altLang="ko-KR" sz="2800" dirty="0" smtClean="0"/>
-              <a:t>“</a:t>
-            </a:r>
-            <a:r>
-              <a:rPr lang="ko-KR" altLang="en-US" sz="2800" dirty="0" err="1" smtClean="0"/>
+              <a:t>– “</a:t>
+            </a:r>
+            <a:r>
+              <a:rPr lang="ko-KR" altLang="en-US" sz="2800" dirty="0" err="1"/>
               <a:t>식단추천</a:t>
             </a:r>
             <a:r>
-              <a:rPr lang="ko-KR" altLang="en-US" sz="2800" dirty="0" smtClean="0"/>
+              <a:rPr lang="ko-KR" altLang="en-US" sz="2800" dirty="0"/>
               <a:t> </a:t>
             </a:r>
             <a:r>
-              <a:rPr lang="en-US" altLang="ko-KR" sz="2800" dirty="0" err="1" smtClean="0"/>
+              <a:rPr lang="en-US" altLang="ko-KR" sz="2800" dirty="0" err="1"/>
               <a:t>UseCase</a:t>
             </a:r>
             <a:r>
-              <a:rPr lang="en-US" altLang="ko-KR" sz="2800" dirty="0" smtClean="0"/>
+              <a:rPr lang="en-US" altLang="ko-KR" sz="2800" dirty="0"/>
               <a:t>”</a:t>
             </a:r>
             <a:endParaRPr lang="ko-KR" altLang="en-US" sz="2800" dirty="0"/>
@@ -6793,13 +6771,6 @@
   <p:clrMapOvr>
     <a:masterClrMapping/>
   </p:clrMapOvr>
-  <p:timing>
-    <p:tnLst>
-      <p:par>
-        <p:cTn id="1" dur="indefinite" restart="never" nodeType="tmRoot"/>
-      </p:par>
-    </p:tnLst>
-  </p:timing>
 </p:sld>
 </file>
 
@@ -6894,32 +6865,28 @@
                 <a:solidFill>
                   <a:srgbClr val="00B0F0"/>
                 </a:solidFill>
-                <a:hlinkClick r:id="rId4" action="ppaction://hlinkpres?slideindex=1&amp;slidetitle="/>
+                <a:hlinkClick r:id="rId4"/>
               </a:rPr>
               <a:t>Use Case Specification </a:t>
             </a:r>
             <a:r>
               <a:rPr lang="en-US" altLang="ko-KR" sz="2800" dirty="0"/>
-              <a:t>– </a:t>
-            </a:r>
-            <a:r>
-              <a:rPr lang="en-US" altLang="ko-KR" sz="2800" dirty="0" smtClean="0"/>
-              <a:t>“</a:t>
-            </a:r>
-            <a:r>
-              <a:rPr lang="ko-KR" altLang="en-US" sz="2800" dirty="0" err="1" smtClean="0"/>
+              <a:t>– “</a:t>
+            </a:r>
+            <a:r>
+              <a:rPr lang="ko-KR" altLang="en-US" sz="2800" dirty="0" err="1"/>
               <a:t>식단추천</a:t>
             </a:r>
             <a:r>
-              <a:rPr lang="ko-KR" altLang="en-US" sz="2800" dirty="0" smtClean="0"/>
+              <a:rPr lang="ko-KR" altLang="en-US" sz="2800" dirty="0"/>
               <a:t> </a:t>
             </a:r>
             <a:r>
-              <a:rPr lang="en-US" altLang="ko-KR" sz="2800" dirty="0" err="1" smtClean="0"/>
+              <a:rPr lang="en-US" altLang="ko-KR" sz="2800" dirty="0" err="1"/>
               <a:t>UseCase</a:t>
             </a:r>
             <a:r>
-              <a:rPr lang="en-US" altLang="ko-KR" sz="2800" dirty="0" smtClean="0"/>
+              <a:rPr lang="en-US" altLang="ko-KR" sz="2800" dirty="0"/>
               <a:t>”</a:t>
             </a:r>
             <a:endParaRPr lang="ko-KR" altLang="en-US" sz="2800" dirty="0"/>
@@ -6936,13 +6903,6 @@
   <p:clrMapOvr>
     <a:masterClrMapping/>
   </p:clrMapOvr>
-  <p:timing>
-    <p:tnLst>
-      <p:par>
-        <p:cTn id="1" dur="indefinite" restart="never" nodeType="tmRoot"/>
-      </p:par>
-    </p:tnLst>
-  </p:timing>
 </p:sld>
 </file>
 
@@ -7037,32 +6997,28 @@
                 <a:solidFill>
                   <a:srgbClr val="00B0F0"/>
                 </a:solidFill>
-                <a:hlinkClick r:id="rId4" action="ppaction://hlinkpres?slideindex=1&amp;slidetitle="/>
+                <a:hlinkClick r:id="rId4"/>
               </a:rPr>
               <a:t>Use Case Specification </a:t>
             </a:r>
             <a:r>
               <a:rPr lang="en-US" altLang="ko-KR" sz="2800" dirty="0"/>
-              <a:t>– </a:t>
-            </a:r>
-            <a:r>
-              <a:rPr lang="en-US" altLang="ko-KR" sz="2800" dirty="0" smtClean="0"/>
-              <a:t>“</a:t>
-            </a:r>
-            <a:r>
-              <a:rPr lang="ko-KR" altLang="en-US" sz="2800" dirty="0" err="1" smtClean="0"/>
+              <a:t>– “</a:t>
+            </a:r>
+            <a:r>
+              <a:rPr lang="ko-KR" altLang="en-US" sz="2800" dirty="0" err="1"/>
               <a:t>식단추천</a:t>
             </a:r>
             <a:r>
-              <a:rPr lang="ko-KR" altLang="en-US" sz="2800" dirty="0" smtClean="0"/>
+              <a:rPr lang="ko-KR" altLang="en-US" sz="2800" dirty="0"/>
               <a:t> </a:t>
             </a:r>
             <a:r>
-              <a:rPr lang="en-US" altLang="ko-KR" sz="2800" dirty="0" err="1" smtClean="0"/>
+              <a:rPr lang="en-US" altLang="ko-KR" sz="2800" dirty="0" err="1"/>
               <a:t>UseCase</a:t>
             </a:r>
             <a:r>
-              <a:rPr lang="en-US" altLang="ko-KR" sz="2800" dirty="0" smtClean="0"/>
+              <a:rPr lang="en-US" altLang="ko-KR" sz="2800" dirty="0"/>
               <a:t>”</a:t>
             </a:r>
             <a:endParaRPr lang="ko-KR" altLang="en-US" sz="2800" dirty="0"/>
@@ -7079,13 +7035,6 @@
   <p:clrMapOvr>
     <a:masterClrMapping/>
   </p:clrMapOvr>
-  <p:timing>
-    <p:tnLst>
-      <p:par>
-        <p:cTn id="1" dur="indefinite" restart="never" nodeType="tmRoot"/>
-      </p:par>
-    </p:tnLst>
-  </p:timing>
 </p:sld>
 </file>
 
@@ -7180,32 +7129,28 @@
                 <a:solidFill>
                   <a:srgbClr val="00B0F0"/>
                 </a:solidFill>
-                <a:hlinkClick r:id="rId4" action="ppaction://hlinkpres?slideindex=1&amp;slidetitle="/>
+                <a:hlinkClick r:id="rId4"/>
               </a:rPr>
               <a:t>Use Case Specification </a:t>
             </a:r>
             <a:r>
               <a:rPr lang="en-US" altLang="ko-KR" sz="2800" dirty="0"/>
-              <a:t>– </a:t>
-            </a:r>
-            <a:r>
-              <a:rPr lang="en-US" altLang="ko-KR" sz="2800" dirty="0" smtClean="0"/>
-              <a:t>“</a:t>
-            </a:r>
-            <a:r>
-              <a:rPr lang="ko-KR" altLang="en-US" sz="2800" dirty="0" err="1" smtClean="0"/>
+              <a:t>– “</a:t>
+            </a:r>
+            <a:r>
+              <a:rPr lang="ko-KR" altLang="en-US" sz="2800" dirty="0" err="1"/>
               <a:t>식단추천</a:t>
             </a:r>
             <a:r>
-              <a:rPr lang="ko-KR" altLang="en-US" sz="2800" dirty="0" smtClean="0"/>
+              <a:rPr lang="ko-KR" altLang="en-US" sz="2800" dirty="0"/>
               <a:t> </a:t>
             </a:r>
             <a:r>
-              <a:rPr lang="en-US" altLang="ko-KR" sz="2800" dirty="0" err="1" smtClean="0"/>
+              <a:rPr lang="en-US" altLang="ko-KR" sz="2800" dirty="0" err="1"/>
               <a:t>UseCase</a:t>
             </a:r>
             <a:r>
-              <a:rPr lang="en-US" altLang="ko-KR" sz="2800" dirty="0" smtClean="0"/>
+              <a:rPr lang="en-US" altLang="ko-KR" sz="2800" dirty="0"/>
               <a:t>”</a:t>
             </a:r>
             <a:endParaRPr lang="ko-KR" altLang="en-US" sz="2800" dirty="0"/>
@@ -7222,13 +7167,6 @@
   <p:clrMapOvr>
     <a:masterClrMapping/>
   </p:clrMapOvr>
-  <p:timing>
-    <p:tnLst>
-      <p:par>
-        <p:cTn id="1" dur="indefinite" restart="never" nodeType="tmRoot"/>
-      </p:par>
-    </p:tnLst>
-  </p:timing>
 </p:sld>
 </file>
 
@@ -7323,32 +7261,28 @@
                 <a:solidFill>
                   <a:srgbClr val="00B0F0"/>
                 </a:solidFill>
-                <a:hlinkClick r:id="rId4" action="ppaction://hlinkpres?slideindex=1&amp;slidetitle="/>
+                <a:hlinkClick r:id="rId4"/>
               </a:rPr>
               <a:t>Use Case Specification </a:t>
             </a:r>
             <a:r>
               <a:rPr lang="en-US" altLang="ko-KR" sz="2800" dirty="0"/>
-              <a:t>– </a:t>
-            </a:r>
-            <a:r>
-              <a:rPr lang="en-US" altLang="ko-KR" sz="2800" dirty="0" smtClean="0"/>
-              <a:t>“</a:t>
-            </a:r>
-            <a:r>
-              <a:rPr lang="ko-KR" altLang="en-US" sz="2800" dirty="0" err="1" smtClean="0"/>
+              <a:t>– “</a:t>
+            </a:r>
+            <a:r>
+              <a:rPr lang="ko-KR" altLang="en-US" sz="2800" dirty="0" err="1"/>
               <a:t>식단추천</a:t>
             </a:r>
             <a:r>
-              <a:rPr lang="ko-KR" altLang="en-US" sz="2800" dirty="0" smtClean="0"/>
+              <a:rPr lang="ko-KR" altLang="en-US" sz="2800" dirty="0"/>
               <a:t> </a:t>
             </a:r>
             <a:r>
-              <a:rPr lang="en-US" altLang="ko-KR" sz="2800" dirty="0" err="1" smtClean="0"/>
+              <a:rPr lang="en-US" altLang="ko-KR" sz="2800" dirty="0" err="1"/>
               <a:t>UseCase</a:t>
             </a:r>
             <a:r>
-              <a:rPr lang="en-US" altLang="ko-KR" sz="2800" dirty="0" smtClean="0"/>
+              <a:rPr lang="en-US" altLang="ko-KR" sz="2800" dirty="0"/>
               <a:t>”</a:t>
             </a:r>
             <a:endParaRPr lang="ko-KR" altLang="en-US" sz="2800" dirty="0"/>
@@ -7365,13 +7299,6 @@
   <p:clrMapOvr>
     <a:masterClrMapping/>
   </p:clrMapOvr>
-  <p:timing>
-    <p:tnLst>
-      <p:par>
-        <p:cTn id="1" dur="indefinite" restart="never" nodeType="tmRoot"/>
-      </p:par>
-    </p:tnLst>
-  </p:timing>
 </p:sld>
 </file>
 
@@ -7557,13 +7484,6 @@
   <p:clrMapOvr>
     <a:masterClrMapping/>
   </p:clrMapOvr>
-  <p:timing>
-    <p:tnLst>
-      <p:par>
-        <p:cTn id="1" dur="indefinite" restart="never" nodeType="tmRoot"/>
-      </p:par>
-    </p:tnLst>
-  </p:timing>
 </p:sld>
 </file>
 
@@ -7749,13 +7669,6 @@
   <p:clrMapOvr>
     <a:masterClrMapping/>
   </p:clrMapOvr>
-  <p:timing>
-    <p:tnLst>
-      <p:par>
-        <p:cTn id="1" dur="indefinite" restart="never" nodeType="tmRoot"/>
-      </p:par>
-    </p:tnLst>
-  </p:timing>
 </p:sld>
 </file>
 
@@ -7865,13 +7778,6 @@
   <p:clrMapOvr>
     <a:masterClrMapping/>
   </p:clrMapOvr>
-  <p:timing>
-    <p:tnLst>
-      <p:par>
-        <p:cTn id="1" dur="indefinite" restart="never" nodeType="tmRoot"/>
-      </p:par>
-    </p:tnLst>
-  </p:timing>
 </p:sld>
 </file>
 
@@ -7920,7 +7826,7 @@
                 <a:solidFill>
                   <a:srgbClr val="00B0F0"/>
                 </a:solidFill>
-                <a:hlinkClick r:id="rId3" action="ppaction://hlinkfile"/>
+                <a:hlinkClick r:id="rId3"/>
               </a:rPr>
               <a:t>Key Decision</a:t>
             </a:r>
@@ -7996,13 +7902,6 @@
   <p:clrMapOvr>
     <a:masterClrMapping/>
   </p:clrMapOvr>
-  <p:timing>
-    <p:tnLst>
-      <p:par>
-        <p:cTn id="1" dur="indefinite" restart="never" nodeType="tmRoot"/>
-      </p:par>
-    </p:tnLst>
-  </p:timing>
 </p:sld>
 </file>
 
@@ -8103,13 +8002,6 @@
   <p:clrMapOvr>
     <a:masterClrMapping/>
   </p:clrMapOvr>
-  <p:timing>
-    <p:tnLst>
-      <p:par>
-        <p:cTn id="1" dur="indefinite" restart="never" nodeType="tmRoot"/>
-      </p:par>
-    </p:tnLst>
-  </p:timing>
 </p:sld>
 </file>
 
@@ -8150,7 +8042,7 @@
                 <a:solidFill>
                   <a:srgbClr val="00B0F0"/>
                 </a:solidFill>
-                <a:hlinkClick r:id="rId3" action="ppaction://hlinkfile"/>
+                <a:hlinkClick r:id="rId3"/>
               </a:rPr>
               <a:t>Entity Class Diagram</a:t>
             </a:r>
@@ -8234,13 +8126,6 @@
   <p:clrMapOvr>
     <a:masterClrMapping/>
   </p:clrMapOvr>
-  <p:timing>
-    <p:tnLst>
-      <p:par>
-        <p:cTn id="1" dur="indefinite" restart="never" nodeType="tmRoot"/>
-      </p:par>
-    </p:tnLst>
-  </p:timing>
 </p:sld>
 </file>
 
@@ -8287,7 +8172,7 @@
                 <a:solidFill>
                   <a:srgbClr val="00B0F0"/>
                 </a:solidFill>
-                <a:hlinkClick r:id="rId3" action="ppaction://hlinkfile"/>
+                <a:hlinkClick r:id="rId3"/>
               </a:rPr>
               <a:t>Entity Relationship Diagram</a:t>
             </a:r>
@@ -8377,13 +8262,6 @@
   <p:clrMapOvr>
     <a:masterClrMapping/>
   </p:clrMapOvr>
-  <p:timing>
-    <p:tnLst>
-      <p:par>
-        <p:cTn id="1" dur="indefinite" restart="never" nodeType="tmRoot"/>
-      </p:par>
-    </p:tnLst>
-  </p:timing>
 </p:sld>
 </file>
 
@@ -8493,13 +8371,6 @@
   <p:clrMapOvr>
     <a:masterClrMapping/>
   </p:clrMapOvr>
-  <p:timing>
-    <p:tnLst>
-      <p:par>
-        <p:cTn id="1" dur="indefinite" restart="never" nodeType="tmRoot"/>
-      </p:par>
-    </p:tnLst>
-  </p:timing>
 </p:sld>
 </file>
 
@@ -8601,20 +8472,20 @@
               <a:buChar char="-"/>
             </a:pPr>
             <a:r>
-              <a:rPr lang="en-US" altLang="ko-KR" u="sng" dirty="0" smtClean="0">
+              <a:rPr lang="en-US" altLang="ko-KR" u="sng" dirty="0">
                 <a:solidFill>
                   <a:srgbClr val="00B0F0"/>
                 </a:solidFill>
-                <a:hlinkClick r:id="rId3" action="ppaction://hlinkfile"/>
+                <a:hlinkClick r:id="rId3"/>
               </a:rPr>
               <a:t>Use Case 1 : </a:t>
             </a:r>
             <a:r>
-              <a:rPr lang="ko-KR" altLang="en-US" u="sng" dirty="0" smtClean="0">
+              <a:rPr lang="ko-KR" altLang="en-US" u="sng" dirty="0">
                 <a:solidFill>
                   <a:srgbClr val="00B0F0"/>
                 </a:solidFill>
-                <a:hlinkClick r:id="rId3" action="ppaction://hlinkfile"/>
+                <a:hlinkClick r:id="rId3"/>
               </a:rPr>
               <a:t>회원가입</a:t>
             </a:r>
@@ -8634,83 +8505,18 @@
                 <a:solidFill>
                   <a:srgbClr val="00B0F0"/>
                 </a:solidFill>
-                <a:hlinkClick r:id="rId4" action="ppaction://hlinkfile"/>
+                <a:hlinkClick r:id="rId4"/>
               </a:rPr>
-              <a:t>Use Case </a:t>
-            </a:r>
-            <a:r>
-              <a:rPr lang="en-US" altLang="ko-KR" u="sng" dirty="0" smtClean="0">
+              <a:t>Use Case 2 : </a:t>
+            </a:r>
+            <a:r>
+              <a:rPr lang="ko-KR" altLang="en-US" u="sng" dirty="0">
                 <a:solidFill>
                   <a:srgbClr val="00B0F0"/>
                 </a:solidFill>
-                <a:hlinkClick r:id="rId4" action="ppaction://hlinkfile"/>
-              </a:rPr>
-              <a:t>2 : </a:t>
-            </a:r>
-            <a:r>
-              <a:rPr lang="ko-KR" altLang="en-US" u="sng" dirty="0" smtClean="0">
-                <a:solidFill>
-                  <a:srgbClr val="00B0F0"/>
-                </a:solidFill>
-                <a:hlinkClick r:id="rId4" action="ppaction://hlinkfile"/>
+                <a:hlinkClick r:id="rId4"/>
               </a:rPr>
               <a:t>식재료 관리</a:t>
-            </a:r>
-            <a:endParaRPr lang="en-US" altLang="ko-KR" u="sng" dirty="0" smtClean="0">
-              <a:solidFill>
-                <a:srgbClr val="00B0F0"/>
-              </a:solidFill>
-            </a:endParaRPr>
-          </a:p>
-          <a:p>
-            <a:pPr marL="285750" indent="-285750">
-              <a:buFontTx/>
-              <a:buChar char="-"/>
-            </a:pPr>
-            <a:r>
-              <a:rPr lang="en-US" altLang="ko-KR" u="sng" dirty="0">
-                <a:solidFill>
-                  <a:srgbClr val="00B0F0"/>
-                </a:solidFill>
-                <a:hlinkClick r:id="rId5" action="ppaction://hlinkfile"/>
-              </a:rPr>
-              <a:t>Use Case </a:t>
-            </a:r>
-            <a:r>
-              <a:rPr lang="en-US" altLang="ko-KR" u="sng" dirty="0">
-                <a:solidFill>
-                  <a:srgbClr val="00B0F0"/>
-                </a:solidFill>
-                <a:hlinkClick r:id="rId5" action="ppaction://hlinkfile"/>
-              </a:rPr>
-              <a:t>3</a:t>
-            </a:r>
-            <a:r>
-              <a:rPr lang="en-US" altLang="ko-KR" u="sng" dirty="0" smtClean="0">
-                <a:solidFill>
-                  <a:srgbClr val="00B0F0"/>
-                </a:solidFill>
-                <a:hlinkClick r:id="rId5" action="ppaction://hlinkfile"/>
-              </a:rPr>
-              <a:t> </a:t>
-            </a:r>
-            <a:r>
-              <a:rPr lang="en-US" altLang="ko-KR" u="sng" dirty="0" smtClean="0">
-                <a:solidFill>
-                  <a:srgbClr val="00B0F0"/>
-                </a:solidFill>
-                <a:hlinkClick r:id="rId5" action="ppaction://hlinkfile"/>
-              </a:rPr>
-              <a:t>: </a:t>
-            </a:r>
-            <a:r>
-              <a:rPr lang="ko-KR" altLang="en-US" u="sng" dirty="0" smtClean="0">
-                <a:solidFill>
-                  <a:srgbClr val="00B0F0"/>
-                </a:solidFill>
-                <a:hlinkClick r:id="rId5" action="ppaction://hlinkfile"/>
-              </a:rPr>
-              <a:t>식단 추천</a:t>
             </a:r>
             <a:endParaRPr lang="en-US" altLang="ko-KR" u="sng" dirty="0">
               <a:solidFill>
@@ -8728,45 +8534,18 @@
                 <a:solidFill>
                   <a:srgbClr val="00B0F0"/>
                 </a:solidFill>
-                <a:hlinkClick r:id="rId6" action="ppaction://hlinkfile"/>
+                <a:hlinkClick r:id="rId5"/>
               </a:rPr>
-              <a:t>Use Case </a:t>
-            </a:r>
-            <a:r>
-              <a:rPr lang="en-US" altLang="ko-KR" u="sng" dirty="0">
+              <a:t>Use Case 3 : </a:t>
+            </a:r>
+            <a:r>
+              <a:rPr lang="ko-KR" altLang="en-US" u="sng" dirty="0">
                 <a:solidFill>
                   <a:srgbClr val="00B0F0"/>
                 </a:solidFill>
-                <a:hlinkClick r:id="rId6" action="ppaction://hlinkfile"/>
+                <a:hlinkClick r:id="rId5"/>
               </a:rPr>
-              <a:t>4</a:t>
-            </a:r>
-            <a:r>
-              <a:rPr lang="en-US" altLang="ko-KR" u="sng" dirty="0" smtClean="0">
-                <a:solidFill>
-                  <a:srgbClr val="00B0F0"/>
-                </a:solidFill>
-                <a:hlinkClick r:id="rId6" action="ppaction://hlinkfile"/>
-              </a:rPr>
-              <a:t> </a:t>
-            </a:r>
-            <a:r>
-              <a:rPr lang="en-US" altLang="ko-KR" u="sng" dirty="0" smtClean="0">
-                <a:solidFill>
-                  <a:srgbClr val="00B0F0"/>
-                </a:solidFill>
-                <a:hlinkClick r:id="rId6" action="ppaction://hlinkfile"/>
-              </a:rPr>
-              <a:t>: </a:t>
-            </a:r>
-            <a:r>
-              <a:rPr lang="ko-KR" altLang="en-US" u="sng" dirty="0" smtClean="0">
-                <a:solidFill>
-                  <a:srgbClr val="00B0F0"/>
-                </a:solidFill>
-                <a:hlinkClick r:id="rId6" action="ppaction://hlinkfile"/>
-              </a:rPr>
-              <a:t>장보기 메모</a:t>
+              <a:t>식단 추천</a:t>
             </a:r>
             <a:endParaRPr lang="en-US" altLang="ko-KR" u="sng" dirty="0">
               <a:solidFill>
@@ -8779,7 +8558,25 @@
               <a:buFontTx/>
               <a:buChar char="-"/>
             </a:pPr>
-            <a:endParaRPr lang="en-US" altLang="ko-KR" u="sng" dirty="0" smtClean="0">
+            <a:r>
+              <a:rPr lang="en-US" altLang="ko-KR" u="sng" dirty="0">
+                <a:solidFill>
+                  <a:srgbClr val="00B0F0"/>
+                </a:solidFill>
+                <a:hlinkClick r:id="rId6"/>
+              </a:rPr>
+              <a:t>Use Case 4 : </a:t>
+            </a:r>
+            <a:r>
+              <a:rPr lang="ko-KR" altLang="en-US" u="sng" dirty="0">
+                <a:solidFill>
+                  <a:srgbClr val="00B0F0"/>
+                </a:solidFill>
+                <a:hlinkClick r:id="rId6"/>
+              </a:rPr>
+              <a:t>장보기 메모</a:t>
+            </a:r>
+            <a:endParaRPr lang="en-US" altLang="ko-KR" u="sng" dirty="0">
               <a:solidFill>
                 <a:srgbClr val="00B0F0"/>
               </a:solidFill>
@@ -8797,12 +8594,23 @@
             </a:endParaRPr>
           </a:p>
           <a:p>
-            <a:r>
-              <a:rPr lang="ko-KR" altLang="en-US" dirty="0" smtClean="0"/>
+            <a:pPr marL="285750" indent="-285750">
+              <a:buFontTx/>
+              <a:buChar char="-"/>
+            </a:pPr>
+            <a:endParaRPr lang="en-US" altLang="ko-KR" u="sng" dirty="0">
+              <a:solidFill>
+                <a:srgbClr val="00B0F0"/>
+              </a:solidFill>
+            </a:endParaRPr>
+          </a:p>
+          <a:p>
+            <a:r>
+              <a:rPr lang="ko-KR" altLang="en-US" dirty="0"/>
               <a:t>지금부터 시연하겠습니다</a:t>
             </a:r>
             <a:r>
-              <a:rPr lang="en-US" altLang="ko-KR" dirty="0" smtClean="0"/>
+              <a:rPr lang="en-US" altLang="ko-KR" dirty="0"/>
               <a:t>.</a:t>
             </a:r>
             <a:endParaRPr lang="ko-KR" altLang="en-US" dirty="0"/>
@@ -8819,13 +8627,6 @@
   <p:clrMapOvr>
     <a:masterClrMapping/>
   </p:clrMapOvr>
-  <p:timing>
-    <p:tnLst>
-      <p:par>
-        <p:cTn id="1" dur="indefinite" restart="never" nodeType="tmRoot"/>
-      </p:par>
-    </p:tnLst>
-  </p:timing>
 </p:sld>
 </file>
 
@@ -8935,28 +8736,16 @@
           <a:lstStyle/>
           <a:p>
             <a:r>
-              <a:rPr lang="ko-KR" altLang="en-US" dirty="0" err="1" smtClean="0">
-                <a:hlinkClick r:id="rId3" action="ppaction://hlinkfile"/>
+              <a:rPr lang="ko-KR" altLang="en-US" dirty="0">
+                <a:hlinkClick r:id="rId3"/>
               </a:rPr>
-              <a:t>식단추천</a:t>
-            </a:r>
-            <a:r>
-              <a:rPr lang="ko-KR" altLang="en-US" dirty="0" smtClean="0">
-                <a:hlinkClick r:id="rId3" action="ppaction://hlinkfile"/>
+              <a:t>식단추천 </a:t>
+            </a:r>
+            <a:r>
+              <a:rPr lang="en-US" altLang="ko-KR" dirty="0">
+                <a:hlinkClick r:id="rId3"/>
               </a:rPr>
-              <a:t> </a:t>
-            </a:r>
-            <a:r>
-              <a:rPr lang="en-US" altLang="ko-KR" dirty="0" err="1" smtClean="0">
-                <a:hlinkClick r:id="rId3" action="ppaction://hlinkfile"/>
-              </a:rPr>
-              <a:t>UseCase</a:t>
-            </a:r>
-            <a:r>
-              <a:rPr lang="en-US" altLang="ko-KR" dirty="0" smtClean="0">
-                <a:hlinkClick r:id="rId3" action="ppaction://hlinkfile"/>
-              </a:rPr>
-              <a:t> Traceability Table</a:t>
+              <a:t>UseCase Traceability Table</a:t>
             </a:r>
             <a:endParaRPr lang="ko-KR" altLang="en-US" dirty="0"/>
           </a:p>
@@ -8972,13 +8761,6 @@
   <p:clrMapOvr>
     <a:masterClrMapping/>
   </p:clrMapOvr>
-  <p:timing>
-    <p:tnLst>
-      <p:par>
-        <p:cTn id="1" dur="indefinite" restart="never" nodeType="tmRoot"/>
-      </p:par>
-    </p:tnLst>
-  </p:timing>
 </p:sld>
 </file>
 
@@ -9079,13 +8861,6 @@
   <p:clrMapOvr>
     <a:masterClrMapping/>
   </p:clrMapOvr>
-  <p:timing>
-    <p:tnLst>
-      <p:par>
-        <p:cTn id="1" dur="indefinite" restart="never" nodeType="tmRoot"/>
-      </p:par>
-    </p:tnLst>
-  </p:timing>
 </p:sld>
 </file>
 
@@ -9134,58 +8909,40 @@
           </a:lstStyle>
           <a:p>
             <a:r>
-              <a:rPr lang="ko-KR" altLang="en-US" u="sng" dirty="0" err="1" smtClean="0">
+              <a:rPr lang="ko-KR" altLang="en-US" u="sng" dirty="0" err="1">
                 <a:solidFill>
                   <a:srgbClr val="00B0F0"/>
                 </a:solidFill>
-                <a:hlinkClick r:id="rId3" action="ppaction://hlinkfile"/>
+                <a:hlinkClick r:id="rId3"/>
               </a:rPr>
               <a:t>식단추천</a:t>
             </a:r>
             <a:r>
-              <a:rPr lang="ko-KR" altLang="en-US" u="sng" dirty="0" smtClean="0">
+              <a:rPr lang="ko-KR" altLang="en-US" u="sng" dirty="0">
                 <a:solidFill>
                   <a:srgbClr val="00B0F0"/>
                 </a:solidFill>
-                <a:hlinkClick r:id="rId3" action="ppaction://hlinkfile"/>
+                <a:hlinkClick r:id="rId3"/>
               </a:rPr>
               <a:t> </a:t>
             </a:r>
             <a:r>
-              <a:rPr lang="en-US" altLang="ko-KR" u="sng" dirty="0" err="1" smtClean="0">
+              <a:rPr lang="en-US" altLang="ko-KR" u="sng" dirty="0">
                 <a:solidFill>
                   <a:srgbClr val="00B0F0"/>
                 </a:solidFill>
-                <a:hlinkClick r:id="rId3" action="ppaction://hlinkfile"/>
+                <a:hlinkClick r:id="rId3"/>
               </a:rPr>
-              <a:t>UseCase</a:t>
-            </a:r>
-            <a:r>
-              <a:rPr lang="en-US" altLang="ko-KR" u="sng" dirty="0" smtClean="0">
-                <a:solidFill>
-                  <a:srgbClr val="00B0F0"/>
-                </a:solidFill>
-                <a:hlinkClick r:id="rId3" action="ppaction://hlinkfile"/>
-              </a:rPr>
-              <a:t> + </a:t>
-            </a:r>
-            <a:r>
-              <a:rPr u="sng" dirty="0" smtClean="0">
-                <a:solidFill>
-                  <a:srgbClr val="00B0F0"/>
-                </a:solidFill>
-                <a:hlinkClick r:id="rId3" action="ppaction://hlinkfile"/>
-              </a:rPr>
-              <a:t>Test </a:t>
+              <a:t>UseCase + </a:t>
             </a:r>
             <a:r>
               <a:rPr u="sng" dirty="0">
                 <a:solidFill>
                   <a:srgbClr val="00B0F0"/>
                 </a:solidFill>
-                <a:hlinkClick r:id="rId3" action="ppaction://hlinkfile"/>
+                <a:hlinkClick r:id="rId3"/>
               </a:rPr>
-              <a:t>Case</a:t>
+              <a:t>Test Case</a:t>
             </a:r>
             <a:endParaRPr u="sng" dirty="0">
               <a:solidFill>
@@ -9215,7 +8972,7 @@
           </a:prstGeom>
           <a:extLst>
             <a:ext uri="{C572A759-6A51-4108-AA02-DFA0A04FC94B}">
-              <ma14:wrappingTextBoxFlag xmlns="" xmlns:ma14="http://schemas.microsoft.com/office/mac/drawingml/2011/main" val="1"/>
+              <ma14:wrappingTextBoxFlag xmlns:ma14="http://schemas.microsoft.com/office/mac/drawingml/2011/main" xmlns="" val="1"/>
             </a:ext>
           </a:extLst>
         </p:spPr>
@@ -9259,13 +9016,6 @@
   <p:clrMapOvr>
     <a:masterClrMapping/>
   </p:clrMapOvr>
-  <p:timing>
-    <p:tnLst>
-      <p:par>
-        <p:cTn id="1" dur="indefinite" restart="never" nodeType="tmRoot"/>
-      </p:par>
-    </p:tnLst>
-  </p:timing>
 </p:sld>
 </file>
 
@@ -9441,7 +9191,7 @@
                     <a:p>
                       <a:pPr algn="r" latinLnBrk="1"/>
                       <a:r>
-                        <a:rPr lang="en-US" altLang="ko-KR" sz="1600" dirty="0" smtClean="0"/>
+                        <a:rPr lang="en-US" altLang="ko-KR" sz="1600" dirty="0"/>
                         <a:t>14</a:t>
                       </a:r>
                       <a:endParaRPr lang="ko-KR" altLang="en-US" sz="1600" dirty="0"/>
@@ -9490,7 +9240,7 @@
                     <a:p>
                       <a:pPr algn="r" latinLnBrk="1"/>
                       <a:r>
-                        <a:rPr lang="en-US" altLang="ko-KR" sz="1600" dirty="0" smtClean="0"/>
+                        <a:rPr lang="en-US" altLang="ko-KR" sz="1600" dirty="0"/>
                         <a:t>81</a:t>
                       </a:r>
                       <a:endParaRPr lang="ko-KR" altLang="en-US" sz="1600" dirty="0"/>
@@ -9539,7 +9289,7 @@
                     <a:p>
                       <a:pPr algn="r" latinLnBrk="1"/>
                       <a:r>
-                        <a:rPr lang="en-US" altLang="ko-KR" sz="1600" dirty="0" smtClean="0"/>
+                        <a:rPr lang="en-US" altLang="ko-KR" sz="1600" dirty="0"/>
                         <a:t>80</a:t>
                       </a:r>
                       <a:endParaRPr lang="ko-KR" altLang="en-US" sz="1600" dirty="0"/>
@@ -9588,7 +9338,7 @@
                     <a:p>
                       <a:pPr algn="r" latinLnBrk="1"/>
                       <a:r>
-                        <a:rPr lang="en-US" altLang="ko-KR" sz="1600" dirty="0" smtClean="0"/>
+                        <a:rPr lang="en-US" altLang="ko-KR" sz="1600" dirty="0"/>
                         <a:t>98.7 (%)</a:t>
                       </a:r>
                       <a:endParaRPr lang="ko-KR" altLang="en-US" sz="1600" dirty="0"/>
@@ -9636,7 +9386,7 @@
                     <a:p>
                       <a:pPr algn="r" latinLnBrk="1"/>
                       <a:r>
-                        <a:rPr lang="en-US" altLang="ko-KR" sz="1600" dirty="0" smtClean="0"/>
+                        <a:rPr lang="en-US" altLang="ko-KR" sz="1600" dirty="0"/>
                         <a:t>74</a:t>
                       </a:r>
                       <a:endParaRPr lang="ko-KR" altLang="en-US" sz="1600" dirty="0"/>
@@ -9676,7 +9426,7 @@
                     <a:p>
                       <a:pPr algn="r" latinLnBrk="1"/>
                       <a:r>
-                        <a:rPr lang="en-US" altLang="ko-KR" sz="1600" dirty="0" smtClean="0"/>
+                        <a:rPr lang="en-US" altLang="ko-KR" sz="1600" dirty="0"/>
                         <a:t>6</a:t>
                       </a:r>
                       <a:endParaRPr lang="ko-KR" altLang="en-US" sz="1600" dirty="0"/>
@@ -9743,7 +9493,7 @@
                         <a:defRPr/>
                       </a:pPr>
                       <a:r>
-                        <a:rPr lang="en-US" altLang="ko-KR" sz="1600" dirty="0" smtClean="0"/>
+                        <a:rPr lang="en-US" altLang="ko-KR" sz="1600" dirty="0"/>
                         <a:t>92.5 (%)</a:t>
                       </a:r>
                       <a:endParaRPr lang="ko-KR" altLang="en-US" sz="1600" dirty="0"/>
@@ -9805,81 +9555,73 @@
               <a:t>1. </a:t>
             </a:r>
             <a:r>
-              <a:rPr lang="ko-KR" altLang="en-US" sz="1600" dirty="0" err="1" smtClean="0"/>
+              <a:rPr lang="ko-KR" altLang="en-US" sz="1600" dirty="0" err="1"/>
               <a:t>식단추천</a:t>
-            </a:r>
-            <a:r>
-              <a:rPr lang="ko-KR" altLang="en-US" sz="1600" dirty="0" smtClean="0"/>
-              <a:t> </a:t>
-            </a:r>
-            <a:r>
-              <a:rPr lang="en-US" altLang="ko-KR" sz="1600" dirty="0" err="1" smtClean="0"/>
-              <a:t>UseCase</a:t>
-            </a:r>
-            <a:r>
-              <a:rPr lang="en-US" altLang="ko-KR" sz="1600" dirty="0" smtClean="0"/>
-              <a:t> </a:t>
-            </a:r>
-            <a:r>
-              <a:rPr lang="ko-KR" altLang="en-US" sz="1600" dirty="0" smtClean="0"/>
-              <a:t>메뉴 수정 기능 미완성</a:t>
-            </a:r>
-            <a:endParaRPr lang="en-US" altLang="ko-KR" sz="1600" dirty="0"/>
-          </a:p>
-          <a:p>
-            <a:r>
-              <a:rPr lang="en-US" altLang="ko-KR" sz="1600" dirty="0"/>
-              <a:t>2</a:t>
-            </a:r>
-            <a:r>
-              <a:rPr lang="en-US" altLang="ko-KR" sz="1600" dirty="0" smtClean="0"/>
-              <a:t>. </a:t>
-            </a:r>
-            <a:r>
-              <a:rPr lang="en-US" altLang="ko-KR" sz="1600" dirty="0" err="1" smtClean="0"/>
-              <a:t>ListView</a:t>
-            </a:r>
-            <a:r>
-              <a:rPr lang="en-US" altLang="ko-KR" sz="1600" dirty="0" smtClean="0"/>
-              <a:t> </a:t>
-            </a:r>
-            <a:r>
-              <a:rPr lang="ko-KR" altLang="en-US" sz="1600" dirty="0" smtClean="0"/>
-              <a:t>안의 </a:t>
-            </a:r>
-            <a:r>
-              <a:rPr lang="en-US" altLang="ko-KR" sz="1600" dirty="0" err="1" smtClean="0"/>
-              <a:t>EditText</a:t>
-            </a:r>
-            <a:r>
-              <a:rPr lang="en-US" altLang="ko-KR" sz="1600" dirty="0" smtClean="0"/>
-              <a:t> </a:t>
-            </a:r>
-            <a:r>
-              <a:rPr lang="ko-KR" altLang="en-US" sz="1600" dirty="0" smtClean="0"/>
-              <a:t>적용 실패</a:t>
-            </a:r>
-            <a:endParaRPr lang="en-US" altLang="ko-KR" sz="1600" dirty="0"/>
-          </a:p>
-          <a:p>
-            <a:r>
-              <a:rPr lang="en-US" altLang="ko-KR" sz="1600" dirty="0"/>
-              <a:t>3</a:t>
-            </a:r>
-            <a:r>
-              <a:rPr lang="en-US" altLang="ko-KR" sz="1600" dirty="0" smtClean="0"/>
-              <a:t>.</a:t>
             </a:r>
             <a:r>
               <a:rPr lang="ko-KR" altLang="en-US" sz="1600" dirty="0"/>
               <a:t> </a:t>
             </a:r>
             <a:r>
-              <a:rPr lang="en-US" altLang="ko-KR" sz="1600" dirty="0" smtClean="0"/>
+              <a:rPr lang="en-US" altLang="ko-KR" sz="1600" dirty="0" err="1"/>
+              <a:t>UseCase</a:t>
+            </a:r>
+            <a:r>
+              <a:rPr lang="en-US" altLang="ko-KR" sz="1600" dirty="0"/>
+              <a:t> </a:t>
+            </a:r>
+            <a:r>
+              <a:rPr lang="ko-KR" altLang="en-US" sz="1600" dirty="0"/>
+              <a:t>메뉴 수정 기능 미완성</a:t>
+            </a:r>
+            <a:endParaRPr lang="en-US" altLang="ko-KR" sz="1600" dirty="0"/>
+          </a:p>
+          <a:p>
+            <a:r>
+              <a:rPr lang="en-US" altLang="ko-KR" sz="1600" dirty="0"/>
+              <a:t>2. </a:t>
+            </a:r>
+            <a:r>
+              <a:rPr lang="en-US" altLang="ko-KR" sz="1600" dirty="0" err="1"/>
+              <a:t>ListView</a:t>
+            </a:r>
+            <a:r>
+              <a:rPr lang="en-US" altLang="ko-KR" sz="1600" dirty="0"/>
+              <a:t> </a:t>
+            </a:r>
+            <a:r>
+              <a:rPr lang="ko-KR" altLang="en-US" sz="1600" dirty="0"/>
+              <a:t>안의 </a:t>
+            </a:r>
+            <a:r>
+              <a:rPr lang="en-US" altLang="ko-KR" sz="1600" dirty="0" err="1"/>
+              <a:t>EditText</a:t>
+            </a:r>
+            <a:r>
+              <a:rPr lang="en-US" altLang="ko-KR" sz="1600" dirty="0"/>
+              <a:t> </a:t>
+            </a:r>
+            <a:r>
+              <a:rPr lang="ko-KR" altLang="en-US" sz="1600" dirty="0"/>
+              <a:t>적용 실패</a:t>
+            </a:r>
+            <a:endParaRPr lang="en-US" altLang="ko-KR" sz="1600" dirty="0"/>
+          </a:p>
+          <a:p>
+            <a:r>
+              <a:rPr lang="en-US" altLang="ko-KR" sz="1600" dirty="0"/>
+              <a:t>3.</a:t>
+            </a:r>
+            <a:r>
+              <a:rPr lang="ko-KR" altLang="en-US" sz="1600" dirty="0"/>
+              <a:t> </a:t>
+            </a:r>
+            <a:r>
+              <a:rPr lang="en-US" altLang="ko-KR" sz="1600" dirty="0"/>
               <a:t>Database </a:t>
             </a:r>
             <a:r>
-              <a:rPr lang="ko-KR" altLang="en-US" sz="1600" dirty="0" smtClean="0"/>
+              <a:rPr lang="ko-KR" altLang="en-US" sz="1600" dirty="0"/>
               <a:t>연동 디버깅 부족</a:t>
             </a:r>
             <a:endParaRPr lang="en-US" altLang="ko-KR" sz="1600" dirty="0"/>
@@ -9896,13 +9638,6 @@
   <p:clrMapOvr>
     <a:masterClrMapping/>
   </p:clrMapOvr>
-  <p:timing>
-    <p:tnLst>
-      <p:par>
-        <p:cTn id="1" dur="indefinite" restart="never" nodeType="tmRoot"/>
-      </p:par>
-    </p:tnLst>
-  </p:timing>
 </p:sld>
 </file>
 
@@ -10100,10 +9835,9 @@
           <a:lstStyle/>
           <a:p>
             <a:r>
-              <a:rPr lang="ko-KR" altLang="en-US" sz="1400" dirty="0" smtClean="0"/>
+              <a:rPr lang="ko-KR" altLang="en-US" sz="1400" dirty="0"/>
               <a:t>양식을 좋아하는 유저</a:t>
             </a:r>
-            <a:endParaRPr lang="ko-KR" altLang="en-US" sz="1400" dirty="0"/>
           </a:p>
         </p:txBody>
       </p:sp>
@@ -10130,10 +9864,9 @@
           <a:lstStyle/>
           <a:p>
             <a:r>
-              <a:rPr lang="ko-KR" altLang="en-US" sz="1400" dirty="0" smtClean="0"/>
+              <a:rPr lang="ko-KR" altLang="en-US" sz="1400" dirty="0"/>
               <a:t>일식을 좋아하는 유저</a:t>
             </a:r>
-            <a:endParaRPr lang="ko-KR" altLang="en-US" sz="1400" dirty="0"/>
           </a:p>
         </p:txBody>
       </p:sp>
@@ -10207,13 +9940,6 @@
   <p:clrMapOvr>
     <a:masterClrMapping/>
   </p:clrMapOvr>
-  <p:timing>
-    <p:tnLst>
-      <p:par>
-        <p:cTn id="1" dur="indefinite" restart="never" nodeType="tmRoot"/>
-      </p:par>
-    </p:tnLst>
-  </p:timing>
 </p:sld>
 </file>
 
@@ -10396,10 +10122,10 @@
           <a:lstStyle/>
           <a:p>
             <a:r>
-              <a:rPr lang="ko-KR" altLang="en-US" sz="1400" dirty="0" smtClean="0"/>
+              <a:rPr lang="ko-KR" altLang="en-US" sz="1400" dirty="0"/>
               <a:t>채식주의자 유저</a:t>
             </a:r>
-            <a:endParaRPr lang="en-US" altLang="ko-KR" sz="1400" dirty="0" smtClean="0"/>
+            <a:endParaRPr lang="en-US" altLang="ko-KR" sz="1400" dirty="0"/>
           </a:p>
         </p:txBody>
       </p:sp>
@@ -10413,13 +10139,6 @@
   <p:clrMapOvr>
     <a:masterClrMapping/>
   </p:clrMapOvr>
-  <p:timing>
-    <p:tnLst>
-      <p:par>
-        <p:cTn id="1" dur="indefinite" restart="never" nodeType="tmRoot"/>
-      </p:par>
-    </p:tnLst>
-  </p:timing>
 </p:sld>
 </file>
 
@@ -10459,7 +10178,7 @@
           <a:p>
             <a:r>
               <a:rPr lang="ko-KR" altLang="en-US" sz="3200" dirty="0">
-                <a:hlinkClick r:id="rId3" action="ppaction://hlinkfile"/>
+                <a:hlinkClick r:id="rId3"/>
               </a:rPr>
               <a:t>프로젝트 개발 배경</a:t>
             </a:r>
@@ -10525,13 +10244,6 @@
   <p:clrMapOvr>
     <a:masterClrMapping/>
   </p:clrMapOvr>
-  <p:timing>
-    <p:tnLst>
-      <p:par>
-        <p:cTn id="1" dur="indefinite" restart="never" nodeType="tmRoot"/>
-      </p:par>
-    </p:tnLst>
-  </p:timing>
 </p:sld>
 </file>
 
@@ -10737,13 +10449,6 @@
   <p:clrMapOvr>
     <a:masterClrMapping/>
   </p:clrMapOvr>
-  <p:timing>
-    <p:tnLst>
-      <p:par>
-        <p:cTn id="1" dur="indefinite" restart="never" nodeType="tmRoot"/>
-      </p:par>
-    </p:tnLst>
-  </p:timing>
 </p:sld>
 </file>
 
@@ -10994,13 +10699,6 @@
   <p:clrMapOvr>
     <a:masterClrMapping/>
   </p:clrMapOvr>
-  <p:timing>
-    <p:tnLst>
-      <p:par>
-        <p:cTn id="1" dur="indefinite" restart="never" nodeType="tmRoot"/>
-      </p:par>
-    </p:tnLst>
-  </p:timing>
 </p:sld>
 </file>
 
@@ -11057,7 +10755,7 @@
                 <a:solidFill>
                   <a:srgbClr val="00B0F0"/>
                 </a:solidFill>
-                <a:hlinkClick r:id="rId3" action="ppaction://hlinkfile"/>
+                <a:hlinkClick r:id="rId3"/>
               </a:rPr>
               <a:t>Project Management Plan</a:t>
             </a:r>
@@ -11133,13 +10831,6 @@
   <p:clrMapOvr>
     <a:masterClrMapping/>
   </p:clrMapOvr>
-  <p:timing>
-    <p:tnLst>
-      <p:par>
-        <p:cTn id="1" dur="indefinite" restart="never" nodeType="tmRoot"/>
-      </p:par>
-    </p:tnLst>
-  </p:timing>
 </p:sld>
 </file>
 
@@ -11196,7 +10887,7 @@
                 <a:solidFill>
                   <a:srgbClr val="00B0F0"/>
                 </a:solidFill>
-                <a:hlinkClick r:id="rId3" action="ppaction://hlinkfile"/>
+                <a:hlinkClick r:id="rId3"/>
               </a:rPr>
               <a:t>Project Management Plan</a:t>
             </a:r>
@@ -11272,13 +10963,6 @@
   <p:clrMapOvr>
     <a:masterClrMapping/>
   </p:clrMapOvr>
-  <p:timing>
-    <p:tnLst>
-      <p:par>
-        <p:cTn id="1" dur="indefinite" restart="never" nodeType="tmRoot"/>
-      </p:par>
-    </p:tnLst>
-  </p:timing>
 </p:sld>
 </file>
 
@@ -11335,7 +11019,7 @@
                 <a:solidFill>
                   <a:srgbClr val="00B0F0"/>
                 </a:solidFill>
-                <a:hlinkClick r:id="rId3" action="ppaction://hlinkfile"/>
+                <a:hlinkClick r:id="rId3"/>
               </a:rPr>
               <a:t>Project Management Plan</a:t>
             </a:r>
@@ -11411,13 +11095,6 @@
   <p:clrMapOvr>
     <a:masterClrMapping/>
   </p:clrMapOvr>
-  <p:timing>
-    <p:tnLst>
-      <p:par>
-        <p:cTn id="1" dur="indefinite" restart="never" nodeType="tmRoot"/>
-      </p:par>
-    </p:tnLst>
-  </p:timing>
 </p:sld>
 </file>
 
@@ -11489,13 +11166,13 @@
           <a:p>
             <a:r>
               <a:rPr lang="ko-KR" altLang="en-US" dirty="0">
-                <a:hlinkClick r:id="rId3" action="ppaction://hlinkfile"/>
+                <a:hlinkClick r:id="rId3"/>
               </a:rPr>
               <a:t>프로젝트 팀원 작업일지</a:t>
             </a:r>
             <a:r>
               <a:rPr lang="en-US" altLang="ko-KR" dirty="0">
-                <a:hlinkClick r:id="rId3" action="ppaction://hlinkfile"/>
+                <a:hlinkClick r:id="rId3"/>
               </a:rPr>
               <a:t>(PSP sheet) </a:t>
             </a:r>
@@ -11533,11 +11210,7 @@
             </a:r>
             <a:r>
               <a:rPr lang="en-US" altLang="ko-KR" dirty="0"/>
-              <a:t>: </a:t>
-            </a:r>
-            <a:r>
-              <a:rPr lang="en-US" altLang="ko-KR" dirty="0" smtClean="0"/>
-              <a:t>892.3 </a:t>
+              <a:t>: 892.3 </a:t>
             </a:r>
             <a:r>
               <a:rPr lang="ko-KR" altLang="en-US" dirty="0"/>
@@ -11560,11 +11233,11 @@
               <a:t>: </a:t>
             </a:r>
             <a:r>
-              <a:rPr lang="ko-KR" altLang="en-US" dirty="0" smtClean="0"/>
+              <a:rPr lang="ko-KR" altLang="en-US" dirty="0"/>
               <a:t>평균 </a:t>
             </a:r>
             <a:r>
-              <a:rPr lang="en-US" altLang="ko-KR" dirty="0" smtClean="0"/>
+              <a:rPr lang="en-US" altLang="ko-KR" dirty="0"/>
               <a:t>148.6 </a:t>
             </a:r>
             <a:r>
@@ -11621,13 +11294,6 @@
   <p:clrMapOvr>
     <a:masterClrMapping/>
   </p:clrMapOvr>
-  <p:timing>
-    <p:tnLst>
-      <p:par>
-        <p:cTn id="1" dur="indefinite" restart="never" nodeType="tmRoot"/>
-      </p:par>
-    </p:tnLst>
-  </p:timing>
 </p:sld>
 </file>
 
@@ -11698,89 +11364,36 @@
               <a:t>중간산출물 저장소</a:t>
             </a:r>
             <a:r>
-              <a:rPr lang="en-US" altLang="ko-KR" dirty="0" smtClean="0"/>
+              <a:rPr lang="en-US" altLang="ko-KR" dirty="0"/>
               <a:t>: </a:t>
-            </a:r>
-            <a:r>
-              <a:rPr lang="en-US" altLang="ko-KR" dirty="0" smtClean="0">
-                <a:hlinkClick r:id="rId3"/>
-              </a:rPr>
-              <a:t>http://</a:t>
             </a:r>
             <a:r>
               <a:rPr lang="en-US" altLang="ko-KR" dirty="0">
                 <a:hlinkClick r:id="rId3"/>
               </a:rPr>
-              <a:t>cscp2.sogang.ac.kr/CSW4010/index.php/2019%EB%85%84_%</a:t>
-            </a:r>
-            <a:r>
-              <a:rPr lang="en-US" altLang="ko-KR" dirty="0" smtClean="0">
-                <a:hlinkClick r:id="rId3"/>
-              </a:rPr>
-              <a:t>EB%B0%A5%EC%95%8C%EC%A7%9C</a:t>
-            </a:r>
-            <a:endParaRPr lang="en-US" altLang="ko-KR" dirty="0" smtClean="0"/>
+              <a:t>http://cscp2.sogang.ac.kr/CSW4010/index.php/2019%EB%85%84_%EB%B0%A5%EC%95%8C%EC%A7%9C</a:t>
+            </a:r>
+            <a:endParaRPr lang="en-US" altLang="ko-KR" dirty="0"/>
           </a:p>
           <a:p>
             <a:pPr lvl="1"/>
             <a:r>
-              <a:rPr lang="ko-KR" altLang="en-US" dirty="0" err="1" smtClean="0"/>
+              <a:rPr lang="ko-KR" altLang="en-US" dirty="0" err="1"/>
               <a:t>최종산출물</a:t>
             </a:r>
             <a:r>
-              <a:rPr lang="ko-KR" altLang="en-US" dirty="0" smtClean="0"/>
+              <a:rPr lang="ko-KR" altLang="en-US" dirty="0"/>
               <a:t> 저장소</a:t>
             </a:r>
             <a:r>
-              <a:rPr lang="en-US" altLang="ko-KR" dirty="0" smtClean="0"/>
+              <a:rPr lang="en-US" altLang="ko-KR" dirty="0"/>
               <a:t>: </a:t>
-            </a:r>
-            <a:r>
-              <a:rPr lang="en-US" altLang="ko-KR" dirty="0" smtClean="0">
-                <a:hlinkClick r:id="rId4"/>
-              </a:rPr>
-              <a:t>https</a:t>
             </a:r>
             <a:r>
               <a:rPr lang="en-US" altLang="ko-KR" dirty="0">
                 <a:hlinkClick r:id="rId4"/>
               </a:rPr>
-              <a:t>://github.com/paekjisoo/babalzza</a:t>
-            </a:r>
-            <a:endParaRPr lang="en-US" altLang="ko-KR" dirty="0" smtClean="0">
-              <a:solidFill>
-                <a:schemeClr val="accent5"/>
-              </a:solidFill>
-            </a:endParaRPr>
-          </a:p>
-          <a:p>
-            <a:r>
-              <a:rPr lang="ko-KR" altLang="en-US" dirty="0" err="1" smtClean="0"/>
-              <a:t>사용툴</a:t>
-            </a:r>
-            <a:endParaRPr lang="en-US" altLang="ko-KR" dirty="0" smtClean="0"/>
-          </a:p>
-          <a:p>
-            <a:pPr lvl="1"/>
-            <a:r>
-              <a:rPr lang="ko-KR" altLang="en-US" dirty="0" smtClean="0"/>
-              <a:t>개발</a:t>
-            </a:r>
-            <a:r>
-              <a:rPr lang="en-US" altLang="ko-KR" dirty="0"/>
-              <a:t>IDE </a:t>
-            </a:r>
-            <a:r>
-              <a:rPr lang="ko-KR" altLang="en-US" dirty="0"/>
-              <a:t>환경</a:t>
-            </a:r>
-            <a:r>
-              <a:rPr lang="en-US" altLang="ko-KR" dirty="0"/>
-              <a:t>: </a:t>
-            </a:r>
-            <a:r>
-              <a:rPr lang="en-US" altLang="ko-KR" dirty="0" smtClean="0"/>
-              <a:t>Android Studio 3.5.2</a:t>
+              <a:t>https://github.com/paekjisoo/babalzza</a:t>
             </a:r>
             <a:endParaRPr lang="en-US" altLang="ko-KR" dirty="0">
               <a:solidFill>
@@ -11789,6 +11402,37 @@
             </a:endParaRPr>
           </a:p>
           <a:p>
+            <a:r>
+              <a:rPr lang="ko-KR" altLang="en-US" dirty="0" err="1"/>
+              <a:t>사용툴</a:t>
+            </a:r>
+            <a:endParaRPr lang="en-US" altLang="ko-KR" dirty="0"/>
+          </a:p>
+          <a:p>
+            <a:pPr lvl="1"/>
+            <a:r>
+              <a:rPr lang="ko-KR" altLang="en-US" dirty="0"/>
+              <a:t>개발</a:t>
+            </a:r>
+            <a:r>
+              <a:rPr lang="en-US" altLang="ko-KR" dirty="0"/>
+              <a:t>IDE </a:t>
+            </a:r>
+            <a:r>
+              <a:rPr lang="ko-KR" altLang="en-US" dirty="0"/>
+              <a:t>환경</a:t>
+            </a:r>
+            <a:r>
+              <a:rPr lang="en-US" altLang="ko-KR" dirty="0"/>
+              <a:t>: Android Studio 3.5.2</a:t>
+            </a:r>
+            <a:endParaRPr lang="en-US" altLang="ko-KR" dirty="0">
+              <a:solidFill>
+                <a:schemeClr val="accent5"/>
+              </a:solidFill>
+            </a:endParaRPr>
+          </a:p>
+          <a:p>
             <a:pPr lvl="1"/>
             <a:r>
               <a:rPr lang="en-US" altLang="ko-KR" dirty="0"/>
@@ -11808,13 +11452,8 @@
             </a:r>
             <a:r>
               <a:rPr lang="en-US" altLang="ko-KR" dirty="0"/>
-              <a:t> </a:t>
-            </a:r>
-            <a:r>
-              <a:rPr lang="en-US" altLang="ko-KR" dirty="0" smtClean="0"/>
-              <a:t>2.8.1</a:t>
-            </a:r>
-            <a:endParaRPr lang="en-US" altLang="ko-KR" dirty="0"/>
+              <a:t> 2.8.1</a:t>
+            </a:r>
           </a:p>
           <a:p>
             <a:pPr lvl="1"/>
@@ -11868,13 +11507,6 @@
   <p:clrMapOvr>
     <a:masterClrMapping/>
   </p:clrMapOvr>
-  <p:timing>
-    <p:tnLst>
-      <p:par>
-        <p:cTn id="1" dur="indefinite" restart="never" nodeType="tmRoot"/>
-      </p:par>
-    </p:tnLst>
-  </p:timing>
 </p:sld>
 </file>
 
@@ -11984,13 +11616,6 @@
   <p:clrMapOvr>
     <a:masterClrMapping/>
   </p:clrMapOvr>
-  <p:timing>
-    <p:tnLst>
-      <p:par>
-        <p:cTn id="1" dur="indefinite" restart="never" nodeType="tmRoot"/>
-      </p:par>
-    </p:tnLst>
-  </p:timing>
 </p:sld>
 </file>
 
